--- a/Präsentationen/Zwischen_Präse/Chessmaster_Zwischenpräsentation_Andreas_Jan_Niklas_Thorsten.pptx
+++ b/Präsentationen/Zwischen_Präse/Chessmaster_Zwischenpräsentation_Andreas_Jan_Niklas_Thorsten.pptx
@@ -200,6 +200,60 @@
 
 <file path=ppt/changesInfos/changesInfo1.xml><?xml version="1.0" encoding="utf-8"?>
 <pc:chgInfo xmlns:a="http://schemas.openxmlformats.org/drawingml/2006/main" xmlns:r="http://schemas.openxmlformats.org/officeDocument/2006/relationships" xmlns:ac="http://schemas.microsoft.com/office/drawing/2013/main/command" xmlns:pc="http://schemas.microsoft.com/office/powerpoint/2013/main/command">
+  <pc:docChgLst>
+    <pc:chgData name="Thorsten Hilbradt" userId="b76ca37a-0758-4f71-aeb6-b277b8bbbfdd" providerId="ADAL" clId="{24072571-CA59-49DD-81C7-EA4CEA10182A}"/>
+    <pc:docChg chg="modSld">
+      <pc:chgData name="Thorsten Hilbradt" userId="b76ca37a-0758-4f71-aeb6-b277b8bbbfdd" providerId="ADAL" clId="{24072571-CA59-49DD-81C7-EA4CEA10182A}" dt="2020-06-04T10:27:54.733" v="7" actId="403"/>
+      <pc:docMkLst>
+        <pc:docMk/>
+      </pc:docMkLst>
+      <pc:sldChg chg="modSp">
+        <pc:chgData name="Thorsten Hilbradt" userId="b76ca37a-0758-4f71-aeb6-b277b8bbbfdd" providerId="ADAL" clId="{24072571-CA59-49DD-81C7-EA4CEA10182A}" dt="2020-06-04T10:27:54.733" v="7" actId="403"/>
+        <pc:sldMkLst>
+          <pc:docMk/>
+          <pc:sldMk cId="3705508391" sldId="264"/>
+        </pc:sldMkLst>
+        <pc:spChg chg="mod">
+          <ac:chgData name="Thorsten Hilbradt" userId="b76ca37a-0758-4f71-aeb6-b277b8bbbfdd" providerId="ADAL" clId="{24072571-CA59-49DD-81C7-EA4CEA10182A}" dt="2020-06-04T10:27:54.733" v="7" actId="403"/>
+          <ac:spMkLst>
+            <pc:docMk/>
+            <pc:sldMk cId="3705508391" sldId="264"/>
+            <ac:spMk id="2" creationId="{D876FA07-50C3-4ACA-8688-56A99B65C35B}"/>
+          </ac:spMkLst>
+        </pc:spChg>
+      </pc:sldChg>
+      <pc:sldChg chg="modSp">
+        <pc:chgData name="Thorsten Hilbradt" userId="b76ca37a-0758-4f71-aeb6-b277b8bbbfdd" providerId="ADAL" clId="{24072571-CA59-49DD-81C7-EA4CEA10182A}" dt="2020-06-04T10:27:50.250" v="3" actId="404"/>
+        <pc:sldMkLst>
+          <pc:docMk/>
+          <pc:sldMk cId="405527029" sldId="265"/>
+        </pc:sldMkLst>
+        <pc:spChg chg="mod">
+          <ac:chgData name="Thorsten Hilbradt" userId="b76ca37a-0758-4f71-aeb6-b277b8bbbfdd" providerId="ADAL" clId="{24072571-CA59-49DD-81C7-EA4CEA10182A}" dt="2020-06-04T10:27:50.250" v="3" actId="404"/>
+          <ac:spMkLst>
+            <pc:docMk/>
+            <pc:sldMk cId="405527029" sldId="265"/>
+            <ac:spMk id="2" creationId="{34DB7194-E807-46D7-80E2-BFE3EF21DDC4}"/>
+          </ac:spMkLst>
+        </pc:spChg>
+      </pc:sldChg>
+      <pc:sldChg chg="modSp">
+        <pc:chgData name="Thorsten Hilbradt" userId="b76ca37a-0758-4f71-aeb6-b277b8bbbfdd" providerId="ADAL" clId="{24072571-CA59-49DD-81C7-EA4CEA10182A}" dt="2020-06-04T10:27:46.564" v="1" actId="404"/>
+        <pc:sldMkLst>
+          <pc:docMk/>
+          <pc:sldMk cId="638968456" sldId="275"/>
+        </pc:sldMkLst>
+        <pc:spChg chg="mod">
+          <ac:chgData name="Thorsten Hilbradt" userId="b76ca37a-0758-4f71-aeb6-b277b8bbbfdd" providerId="ADAL" clId="{24072571-CA59-49DD-81C7-EA4CEA10182A}" dt="2020-06-04T10:27:46.564" v="1" actId="404"/>
+          <ac:spMkLst>
+            <pc:docMk/>
+            <pc:sldMk cId="638968456" sldId="275"/>
+            <ac:spMk id="2" creationId="{3A9D315A-D29E-4AA4-9C68-FC1C36AA35A5}"/>
+          </ac:spMkLst>
+        </pc:spChg>
+      </pc:sldChg>
+    </pc:docChg>
+  </pc:docChgLst>
   <pc:docChgLst>
     <pc:chgData name="Thorsten Hilbradt" userId="b76ca37a-0758-4f71-aeb6-b277b8bbbfdd" providerId="ADAL" clId="{1C032304-3FB3-4983-A243-7EEBC990C7BD}"/>
     <pc:docChg chg="custSel mod addSld delSld modSld modSection">
@@ -19174,8 +19228,16 @@
           <a:lstStyle/>
           <a:p>
             <a:r>
-              <a:rPr lang="de-DE" sz="5400"/>
-              <a:t>Table of Content</a:t>
+              <a:rPr lang="de-DE" sz="5400" dirty="0"/>
+              <a:t>Table </a:t>
+            </a:r>
+            <a:r>
+              <a:rPr lang="de-DE" sz="5400" dirty="0" err="1"/>
+              <a:t>of</a:t>
+            </a:r>
+            <a:r>
+              <a:rPr lang="de-DE" sz="5400" dirty="0"/>
+              <a:t> Content</a:t>
             </a:r>
           </a:p>
         </p:txBody>
@@ -22531,12 +22593,8 @@
           <a:lstStyle/>
           <a:p>
             <a:r>
-              <a:rPr lang="de-DE"/>
-              <a:t>IBM - Deep </a:t>
-            </a:r>
-            <a:r>
-              <a:rPr lang="de-DE" dirty="0"/>
-              <a:t>Blue</a:t>
+              <a:rPr lang="de-DE" sz="3600" dirty="0"/>
+              <a:t>IBM - Deep Blue</a:t>
             </a:r>
           </a:p>
         </p:txBody>
@@ -22925,10 +22983,10 @@
           <a:lstStyle/>
           <a:p>
             <a:r>
-              <a:rPr lang="de-DE" err="1"/>
+              <a:rPr lang="de-DE" sz="3600" dirty="0" err="1"/>
               <a:t>Stockfish</a:t>
             </a:r>
-            <a:endParaRPr lang="de-DE"/>
+            <a:endParaRPr lang="de-DE" dirty="0"/>
           </a:p>
         </p:txBody>
       </p:sp>
@@ -23360,14 +23418,14 @@
           <a:lstStyle/>
           <a:p>
             <a:r>
-              <a:rPr lang="de-DE" dirty="0"/>
+              <a:rPr lang="de-DE" sz="3600" dirty="0"/>
               <a:t>DeepMind - </a:t>
             </a:r>
             <a:r>
-              <a:rPr lang="de-DE" dirty="0" err="1"/>
+              <a:rPr lang="de-DE" sz="3600" dirty="0" err="1"/>
               <a:t>AlphaZero</a:t>
             </a:r>
-            <a:endParaRPr lang="de-DE" dirty="0"/>
+            <a:endParaRPr lang="de-DE" sz="3600" dirty="0"/>
           </a:p>
         </p:txBody>
       </p:sp>
@@ -25540,9 +25598,12 @@
 </file>
 
 <file path=customXml/item1.xml><?xml version="1.0" encoding="utf-8"?>
-<p:properties xmlns:p="http://schemas.microsoft.com/office/2006/metadata/properties" xmlns:xsi="http://www.w3.org/2001/XMLSchema-instance" xmlns:pc="http://schemas.microsoft.com/office/infopath/2007/PartnerControls">
-  <documentManagement/>
-</p:properties>
+<?mso-contentType ?>
+<FormTemplates xmlns="http://schemas.microsoft.com/sharepoint/v3/contenttype/forms">
+  <Display>DocumentLibraryForm</Display>
+  <Edit>DocumentLibraryForm</Edit>
+  <New>DocumentLibraryForm</New>
+</FormTemplates>
 </file>
 
 <file path=customXml/item2.xml><?xml version="1.0" encoding="utf-8"?>
@@ -25763,27 +25824,15 @@
 </file>
 
 <file path=customXml/item3.xml><?xml version="1.0" encoding="utf-8"?>
-<?mso-contentType ?>
-<FormTemplates xmlns="http://schemas.microsoft.com/sharepoint/v3/contenttype/forms">
-  <Display>DocumentLibraryForm</Display>
-  <Edit>DocumentLibraryForm</Edit>
-  <New>DocumentLibraryForm</New>
-</FormTemplates>
+<p:properties xmlns:p="http://schemas.microsoft.com/office/2006/metadata/properties" xmlns:xsi="http://www.w3.org/2001/XMLSchema-instance" xmlns:pc="http://schemas.microsoft.com/office/infopath/2007/PartnerControls">
+  <documentManagement/>
+</p:properties>
 </file>
 
 <file path=customXml/itemProps1.xml><?xml version="1.0" encoding="utf-8"?>
-<ds:datastoreItem xmlns:ds="http://schemas.openxmlformats.org/officeDocument/2006/customXml" ds:itemID="{3F8C196F-57CA-4A27-A0C5-E15A158BF523}">
+<ds:datastoreItem xmlns:ds="http://schemas.openxmlformats.org/officeDocument/2006/customXml" ds:itemID="{1676AEB8-5320-4F07-868F-E91141D86E7B}">
   <ds:schemaRefs>
-    <ds:schemaRef ds:uri="http://purl.org/dc/elements/1.1/"/>
-    <ds:schemaRef ds:uri="http://schemas.microsoft.com/office/2006/metadata/properties"/>
-    <ds:schemaRef ds:uri="428a2bfe-bcaf-43de-8bea-075e4c45d2d0"/>
-    <ds:schemaRef ds:uri="http://purl.org/dc/terms/"/>
-    <ds:schemaRef ds:uri="http://schemas.openxmlformats.org/package/2006/metadata/core-properties"/>
-    <ds:schemaRef ds:uri="http://schemas.microsoft.com/office/2006/documentManagement/types"/>
-    <ds:schemaRef ds:uri="19353dae-2197-414d-a888-862b93af9487"/>
-    <ds:schemaRef ds:uri="http://schemas.microsoft.com/office/infopath/2007/PartnerControls"/>
-    <ds:schemaRef ds:uri="http://www.w3.org/XML/1998/namespace"/>
-    <ds:schemaRef ds:uri="http://purl.org/dc/dcmitype/"/>
+    <ds:schemaRef ds:uri="http://schemas.microsoft.com/sharepoint/v3/contenttype/forms"/>
   </ds:schemaRefs>
 </ds:datastoreItem>
 </file>
@@ -25808,9 +25857,18 @@
 </file>
 
 <file path=customXml/itemProps3.xml><?xml version="1.0" encoding="utf-8"?>
-<ds:datastoreItem xmlns:ds="http://schemas.openxmlformats.org/officeDocument/2006/customXml" ds:itemID="{1676AEB8-5320-4F07-868F-E91141D86E7B}">
+<ds:datastoreItem xmlns:ds="http://schemas.openxmlformats.org/officeDocument/2006/customXml" ds:itemID="{3F8C196F-57CA-4A27-A0C5-E15A158BF523}">
   <ds:schemaRefs>
-    <ds:schemaRef ds:uri="http://schemas.microsoft.com/sharepoint/v3/contenttype/forms"/>
+    <ds:schemaRef ds:uri="http://purl.org/dc/elements/1.1/"/>
+    <ds:schemaRef ds:uri="http://schemas.microsoft.com/office/2006/metadata/properties"/>
+    <ds:schemaRef ds:uri="428a2bfe-bcaf-43de-8bea-075e4c45d2d0"/>
+    <ds:schemaRef ds:uri="http://purl.org/dc/terms/"/>
+    <ds:schemaRef ds:uri="http://schemas.openxmlformats.org/package/2006/metadata/core-properties"/>
+    <ds:schemaRef ds:uri="http://schemas.microsoft.com/office/2006/documentManagement/types"/>
+    <ds:schemaRef ds:uri="19353dae-2197-414d-a888-862b93af9487"/>
+    <ds:schemaRef ds:uri="http://schemas.microsoft.com/office/infopath/2007/PartnerControls"/>
+    <ds:schemaRef ds:uri="http://www.w3.org/XML/1998/namespace"/>
+    <ds:schemaRef ds:uri="http://purl.org/dc/dcmitype/"/>
   </ds:schemaRefs>
 </ds:datastoreItem>
 </file>
--- a/Präsentationen/Zwischen_Präse/Chessmaster_Zwischenpräsentation_Andreas_Jan_Niklas_Thorsten.pptx
+++ b/Präsentationen/Zwischen_Präse/Chessmaster_Zwischenpräsentation_Andreas_Jan_Niklas_Thorsten.pptx
@@ -202,11 +202,41 @@
 <pc:chgInfo xmlns:a="http://schemas.openxmlformats.org/drawingml/2006/main" xmlns:r="http://schemas.openxmlformats.org/officeDocument/2006/relationships" xmlns:ac="http://schemas.microsoft.com/office/drawing/2013/main/command" xmlns:pc="http://schemas.microsoft.com/office/powerpoint/2013/main/command">
   <pc:docChgLst>
     <pc:chgData name="Thorsten Hilbradt" userId="b76ca37a-0758-4f71-aeb6-b277b8bbbfdd" providerId="ADAL" clId="{24072571-CA59-49DD-81C7-EA4CEA10182A}"/>
-    <pc:docChg chg="modSld">
-      <pc:chgData name="Thorsten Hilbradt" userId="b76ca37a-0758-4f71-aeb6-b277b8bbbfdd" providerId="ADAL" clId="{24072571-CA59-49DD-81C7-EA4CEA10182A}" dt="2020-06-04T10:27:54.733" v="7" actId="403"/>
+    <pc:docChg chg="undo custSel modSld">
+      <pc:chgData name="Thorsten Hilbradt" userId="b76ca37a-0758-4f71-aeb6-b277b8bbbfdd" providerId="ADAL" clId="{24072571-CA59-49DD-81C7-EA4CEA10182A}" dt="2020-06-04T10:53:33.198" v="60" actId="1076"/>
       <pc:docMkLst>
         <pc:docMk/>
       </pc:docMkLst>
+      <pc:sldChg chg="modSp">
+        <pc:chgData name="Thorsten Hilbradt" userId="b76ca37a-0758-4f71-aeb6-b277b8bbbfdd" providerId="ADAL" clId="{24072571-CA59-49DD-81C7-EA4CEA10182A}" dt="2020-06-04T10:40:18.330" v="42" actId="1076"/>
+        <pc:sldMkLst>
+          <pc:docMk/>
+          <pc:sldMk cId="733108152" sldId="262"/>
+        </pc:sldMkLst>
+        <pc:spChg chg="mod">
+          <ac:chgData name="Thorsten Hilbradt" userId="b76ca37a-0758-4f71-aeb6-b277b8bbbfdd" providerId="ADAL" clId="{24072571-CA59-49DD-81C7-EA4CEA10182A}" dt="2020-06-04T10:40:18.330" v="42" actId="1076"/>
+          <ac:spMkLst>
+            <pc:docMk/>
+            <pc:sldMk cId="733108152" sldId="262"/>
+            <ac:spMk id="3" creationId="{3751EFFD-586A-4666-AF00-AFCBE7F6BF61}"/>
+          </ac:spMkLst>
+        </pc:spChg>
+      </pc:sldChg>
+      <pc:sldChg chg="modSp">
+        <pc:chgData name="Thorsten Hilbradt" userId="b76ca37a-0758-4f71-aeb6-b277b8bbbfdd" providerId="ADAL" clId="{24072571-CA59-49DD-81C7-EA4CEA10182A}" dt="2020-06-04T10:44:48.855" v="50" actId="20577"/>
+        <pc:sldMkLst>
+          <pc:docMk/>
+          <pc:sldMk cId="3503204803" sldId="263"/>
+        </pc:sldMkLst>
+        <pc:spChg chg="mod">
+          <ac:chgData name="Thorsten Hilbradt" userId="b76ca37a-0758-4f71-aeb6-b277b8bbbfdd" providerId="ADAL" clId="{24072571-CA59-49DD-81C7-EA4CEA10182A}" dt="2020-06-04T10:44:48.855" v="50" actId="20577"/>
+          <ac:spMkLst>
+            <pc:docMk/>
+            <pc:sldMk cId="3503204803" sldId="263"/>
+            <ac:spMk id="3" creationId="{0368D168-01DD-4E98-AB1D-2C5EF2677C34}"/>
+          </ac:spMkLst>
+        </pc:spChg>
+      </pc:sldChg>
       <pc:sldChg chg="modSp">
         <pc:chgData name="Thorsten Hilbradt" userId="b76ca37a-0758-4f71-aeb6-b277b8bbbfdd" providerId="ADAL" clId="{24072571-CA59-49DD-81C7-EA4CEA10182A}" dt="2020-06-04T10:27:54.733" v="7" actId="403"/>
         <pc:sldMkLst>
@@ -236,6 +266,29 @@
             <ac:spMk id="2" creationId="{34DB7194-E807-46D7-80E2-BFE3EF21DDC4}"/>
           </ac:spMkLst>
         </pc:spChg>
+      </pc:sldChg>
+      <pc:sldChg chg="modSp">
+        <pc:chgData name="Thorsten Hilbradt" userId="b76ca37a-0758-4f71-aeb6-b277b8bbbfdd" providerId="ADAL" clId="{24072571-CA59-49DD-81C7-EA4CEA10182A}" dt="2020-06-04T10:53:33.198" v="60" actId="1076"/>
+        <pc:sldMkLst>
+          <pc:docMk/>
+          <pc:sldMk cId="3860202698" sldId="271"/>
+        </pc:sldMkLst>
+        <pc:spChg chg="mod">
+          <ac:chgData name="Thorsten Hilbradt" userId="b76ca37a-0758-4f71-aeb6-b277b8bbbfdd" providerId="ADAL" clId="{24072571-CA59-49DD-81C7-EA4CEA10182A}" dt="2020-06-04T10:53:33.198" v="60" actId="1076"/>
+          <ac:spMkLst>
+            <pc:docMk/>
+            <pc:sldMk cId="3860202698" sldId="271"/>
+            <ac:spMk id="3" creationId="{23044B2E-58F0-4039-8E9D-B10FC5A59DB5}"/>
+          </ac:spMkLst>
+        </pc:spChg>
+        <pc:picChg chg="mod">
+          <ac:chgData name="Thorsten Hilbradt" userId="b76ca37a-0758-4f71-aeb6-b277b8bbbfdd" providerId="ADAL" clId="{24072571-CA59-49DD-81C7-EA4CEA10182A}" dt="2020-06-04T10:52:46.128" v="51" actId="1076"/>
+          <ac:picMkLst>
+            <pc:docMk/>
+            <pc:sldMk cId="3860202698" sldId="271"/>
+            <ac:picMk id="31" creationId="{EA1CF595-43FF-4EE9-954D-39700326774A}"/>
+          </ac:picMkLst>
+        </pc:picChg>
       </pc:sldChg>
       <pc:sldChg chg="modSp">
         <pc:chgData name="Thorsten Hilbradt" userId="b76ca37a-0758-4f71-aeb6-b277b8bbbfdd" providerId="ADAL" clId="{24072571-CA59-49DD-81C7-EA4CEA10182A}" dt="2020-06-04T10:27:46.564" v="1" actId="404"/>
@@ -8764,7 +8817,7 @@
           <a:p>
             <a:r>
               <a:rPr lang="en-US" dirty="0"/>
-              <a:t>Statistical Algorithm for selecting the most promising moves (for chess)</a:t>
+              <a:t>Statistical Algorithm</a:t>
             </a:r>
           </a:p>
           <a:p>
@@ -8789,7 +8842,7 @@
           <a:p>
             <a:r>
               <a:rPr lang="en-US" dirty="0"/>
-              <a:t>Used by various Ais, like </a:t>
+              <a:t>Used by various AIs, like </a:t>
             </a:r>
             <a:r>
               <a:rPr lang="en-US" dirty="0" err="1"/>
@@ -18922,7 +18975,7 @@
           <a:p>
             <a:pPr algn="ctr"/>
             <a:r>
-              <a:rPr lang="en-US" sz="6000" kern="1200">
+              <a:rPr lang="en-US" sz="6000" kern="1200" dirty="0">
                 <a:solidFill>
                   <a:srgbClr val="FFFFFF"/>
                 </a:solidFill>
@@ -19060,7 +19113,7 @@
         </p:blipFill>
         <p:spPr>
           <a:xfrm>
-            <a:off x="5508264" y="1371601"/>
+            <a:off x="5508262" y="1371599"/>
             <a:ext cx="1175474" cy="1175474"/>
           </a:xfrm>
           <a:prstGeom prst="rect">
@@ -19135,9 +19188,9 @@
           <p:nvPr/>
         </p:nvSpPr>
         <p:spPr>
-          <a:xfrm>
-            <a:off x="5633483" y="1859309"/>
-            <a:ext cx="925033" cy="200055"/>
+          <a:xfrm rot="10800000" flipV="1">
+            <a:off x="5741263" y="1959336"/>
+            <a:ext cx="709472" cy="169277"/>
           </a:xfrm>
           <a:prstGeom prst="rect">
             <a:avLst/>
@@ -19151,7 +19204,7 @@
           <a:lstStyle/>
           <a:p>
             <a:r>
-              <a:rPr lang="de-DE" sz="700" dirty="0">
+              <a:rPr lang="de-DE" sz="500" dirty="0">
                 <a:solidFill>
                   <a:schemeClr val="bg1"/>
                 </a:solidFill>
@@ -20728,25 +20781,21 @@
         </p:nvSpPr>
         <p:spPr>
           <a:xfrm>
-            <a:off x="643467" y="1782981"/>
-            <a:ext cx="10905066" cy="4379694"/>
+            <a:off x="670705" y="1547825"/>
+            <a:ext cx="9470917" cy="4294285"/>
           </a:xfrm>
         </p:spPr>
         <p:txBody>
-          <a:bodyPr>
+          <a:bodyPr anchor="ctr">
             <a:normAutofit/>
           </a:bodyPr>
           <a:lstStyle/>
           <a:p>
-            <a:endParaRPr lang="de-DE" sz="2000" dirty="0"/>
-          </a:p>
-          <a:p>
-            <a:endParaRPr lang="de-DE" sz="2000" dirty="0"/>
-          </a:p>
-          <a:p>
-            <a:endParaRPr lang="de-DE" sz="2000" dirty="0"/>
-          </a:p>
-          <a:p>
+            <a:pPr>
+              <a:lnSpc>
+                <a:spcPct val="250000"/>
+              </a:lnSpc>
+            </a:pPr>
             <a:r>
               <a:rPr lang="de-DE" sz="2000" dirty="0"/>
               <a:t>Create an powerful AI, </a:t>
@@ -20830,6 +20879,11 @@
             <a:endParaRPr lang="de-DE" sz="2000" dirty="0"/>
           </a:p>
           <a:p>
+            <a:pPr>
+              <a:lnSpc>
+                <a:spcPct val="250000"/>
+              </a:lnSpc>
+            </a:pPr>
             <a:r>
               <a:rPr lang="de-DE" sz="2000" dirty="0" err="1"/>
               <a:t>Provide</a:t>
@@ -20877,6 +20931,11 @@
             <a:endParaRPr lang="de-DE" sz="2000" dirty="0"/>
           </a:p>
           <a:p>
+            <a:pPr>
+              <a:lnSpc>
+                <a:spcPct val="250000"/>
+              </a:lnSpc>
+            </a:pPr>
             <a:r>
               <a:rPr lang="de-DE" sz="2000" dirty="0" err="1"/>
               <a:t>Give</a:t>
@@ -22647,7 +22706,7 @@
           <a:p>
             <a:pPr lvl="1"/>
             <a:r>
-              <a:rPr lang="en-US"/>
+              <a:rPr lang="en-US" dirty="0"/>
               <a:t>Developers even denied it being an AI</a:t>
             </a:r>
           </a:p>
@@ -25598,12 +25657,9 @@
 </file>
 
 <file path=customXml/item1.xml><?xml version="1.0" encoding="utf-8"?>
-<?mso-contentType ?>
-<FormTemplates xmlns="http://schemas.microsoft.com/sharepoint/v3/contenttype/forms">
-  <Display>DocumentLibraryForm</Display>
-  <Edit>DocumentLibraryForm</Edit>
-  <New>DocumentLibraryForm</New>
-</FormTemplates>
+<p:properties xmlns:p="http://schemas.microsoft.com/office/2006/metadata/properties" xmlns:xsi="http://www.w3.org/2001/XMLSchema-instance" xmlns:pc="http://schemas.microsoft.com/office/infopath/2007/PartnerControls">
+  <documentManagement/>
+</p:properties>
 </file>
 
 <file path=customXml/item2.xml><?xml version="1.0" encoding="utf-8"?>
@@ -25824,15 +25880,27 @@
 </file>
 
 <file path=customXml/item3.xml><?xml version="1.0" encoding="utf-8"?>
-<p:properties xmlns:p="http://schemas.microsoft.com/office/2006/metadata/properties" xmlns:xsi="http://www.w3.org/2001/XMLSchema-instance" xmlns:pc="http://schemas.microsoft.com/office/infopath/2007/PartnerControls">
-  <documentManagement/>
-</p:properties>
+<?mso-contentType ?>
+<FormTemplates xmlns="http://schemas.microsoft.com/sharepoint/v3/contenttype/forms">
+  <Display>DocumentLibraryForm</Display>
+  <Edit>DocumentLibraryForm</Edit>
+  <New>DocumentLibraryForm</New>
+</FormTemplates>
 </file>
 
 <file path=customXml/itemProps1.xml><?xml version="1.0" encoding="utf-8"?>
-<ds:datastoreItem xmlns:ds="http://schemas.openxmlformats.org/officeDocument/2006/customXml" ds:itemID="{1676AEB8-5320-4F07-868F-E91141D86E7B}">
+<ds:datastoreItem xmlns:ds="http://schemas.openxmlformats.org/officeDocument/2006/customXml" ds:itemID="{3F8C196F-57CA-4A27-A0C5-E15A158BF523}">
   <ds:schemaRefs>
-    <ds:schemaRef ds:uri="http://schemas.microsoft.com/sharepoint/v3/contenttype/forms"/>
+    <ds:schemaRef ds:uri="http://purl.org/dc/elements/1.1/"/>
+    <ds:schemaRef ds:uri="http://schemas.microsoft.com/office/2006/metadata/properties"/>
+    <ds:schemaRef ds:uri="428a2bfe-bcaf-43de-8bea-075e4c45d2d0"/>
+    <ds:schemaRef ds:uri="http://purl.org/dc/terms/"/>
+    <ds:schemaRef ds:uri="http://schemas.openxmlformats.org/package/2006/metadata/core-properties"/>
+    <ds:schemaRef ds:uri="http://schemas.microsoft.com/office/2006/documentManagement/types"/>
+    <ds:schemaRef ds:uri="19353dae-2197-414d-a888-862b93af9487"/>
+    <ds:schemaRef ds:uri="http://schemas.microsoft.com/office/infopath/2007/PartnerControls"/>
+    <ds:schemaRef ds:uri="http://www.w3.org/XML/1998/namespace"/>
+    <ds:schemaRef ds:uri="http://purl.org/dc/dcmitype/"/>
   </ds:schemaRefs>
 </ds:datastoreItem>
 </file>
@@ -25857,18 +25925,9 @@
 </file>
 
 <file path=customXml/itemProps3.xml><?xml version="1.0" encoding="utf-8"?>
-<ds:datastoreItem xmlns:ds="http://schemas.openxmlformats.org/officeDocument/2006/customXml" ds:itemID="{3F8C196F-57CA-4A27-A0C5-E15A158BF523}">
+<ds:datastoreItem xmlns:ds="http://schemas.openxmlformats.org/officeDocument/2006/customXml" ds:itemID="{1676AEB8-5320-4F07-868F-E91141D86E7B}">
   <ds:schemaRefs>
-    <ds:schemaRef ds:uri="http://purl.org/dc/elements/1.1/"/>
-    <ds:schemaRef ds:uri="http://schemas.microsoft.com/office/2006/metadata/properties"/>
-    <ds:schemaRef ds:uri="428a2bfe-bcaf-43de-8bea-075e4c45d2d0"/>
-    <ds:schemaRef ds:uri="http://purl.org/dc/terms/"/>
-    <ds:schemaRef ds:uri="http://schemas.openxmlformats.org/package/2006/metadata/core-properties"/>
-    <ds:schemaRef ds:uri="http://schemas.microsoft.com/office/2006/documentManagement/types"/>
-    <ds:schemaRef ds:uri="19353dae-2197-414d-a888-862b93af9487"/>
-    <ds:schemaRef ds:uri="http://schemas.microsoft.com/office/infopath/2007/PartnerControls"/>
-    <ds:schemaRef ds:uri="http://www.w3.org/XML/1998/namespace"/>
-    <ds:schemaRef ds:uri="http://purl.org/dc/dcmitype/"/>
+    <ds:schemaRef ds:uri="http://schemas.microsoft.com/sharepoint/v3/contenttype/forms"/>
   </ds:schemaRefs>
 </ds:datastoreItem>
 </file>